--- a/Session_1_ML_DL_intro_python_MT2024.pptx
+++ b/Session_1_ML_DL_intro_python_MT2024.pptx
@@ -5,10 +5,10 @@
     <p:sldMasterId id="2147483648" r:id="rId1"/>
   </p:sldMasterIdLst>
   <p:notesMasterIdLst>
-    <p:notesMasterId r:id="rId36"/>
+    <p:notesMasterId r:id="rId35"/>
   </p:notesMasterIdLst>
   <p:handoutMasterIdLst>
-    <p:handoutMasterId r:id="rId37"/>
+    <p:handoutMasterId r:id="rId36"/>
   </p:handoutMasterIdLst>
   <p:sldIdLst>
     <p:sldId id="258" r:id="rId2"/>
@@ -24,27 +24,26 @@
     <p:sldId id="291" r:id="rId12"/>
     <p:sldId id="292" r:id="rId13"/>
     <p:sldId id="276" r:id="rId14"/>
-    <p:sldId id="261" r:id="rId15"/>
-    <p:sldId id="277" r:id="rId16"/>
-    <p:sldId id="285" r:id="rId17"/>
-    <p:sldId id="295" r:id="rId18"/>
-    <p:sldId id="294" r:id="rId19"/>
-    <p:sldId id="296" r:id="rId20"/>
-    <p:sldId id="297" r:id="rId21"/>
-    <p:sldId id="298" r:id="rId22"/>
-    <p:sldId id="300" r:id="rId23"/>
-    <p:sldId id="278" r:id="rId24"/>
-    <p:sldId id="279" r:id="rId25"/>
-    <p:sldId id="280" r:id="rId26"/>
-    <p:sldId id="264" r:id="rId27"/>
-    <p:sldId id="265" r:id="rId28"/>
-    <p:sldId id="284" r:id="rId29"/>
-    <p:sldId id="268" r:id="rId30"/>
-    <p:sldId id="273" r:id="rId31"/>
-    <p:sldId id="274" r:id="rId32"/>
-    <p:sldId id="269" r:id="rId33"/>
-    <p:sldId id="286" r:id="rId34"/>
-    <p:sldId id="293" r:id="rId35"/>
+    <p:sldId id="301" r:id="rId15"/>
+    <p:sldId id="261" r:id="rId16"/>
+    <p:sldId id="277" r:id="rId17"/>
+    <p:sldId id="285" r:id="rId18"/>
+    <p:sldId id="295" r:id="rId19"/>
+    <p:sldId id="294" r:id="rId20"/>
+    <p:sldId id="296" r:id="rId21"/>
+    <p:sldId id="300" r:id="rId22"/>
+    <p:sldId id="278" r:id="rId23"/>
+    <p:sldId id="279" r:id="rId24"/>
+    <p:sldId id="280" r:id="rId25"/>
+    <p:sldId id="264" r:id="rId26"/>
+    <p:sldId id="265" r:id="rId27"/>
+    <p:sldId id="284" r:id="rId28"/>
+    <p:sldId id="268" r:id="rId29"/>
+    <p:sldId id="273" r:id="rId30"/>
+    <p:sldId id="274" r:id="rId31"/>
+    <p:sldId id="269" r:id="rId32"/>
+    <p:sldId id="286" r:id="rId33"/>
+    <p:sldId id="293" r:id="rId34"/>
   </p:sldIdLst>
   <p:sldSz cx="9144000" cy="6858000" type="screen4x3"/>
   <p:notesSz cx="6858000" cy="9144000"/>
@@ -161,14 +160,13 @@
             <p14:sldId id="291"/>
             <p14:sldId id="292"/>
             <p14:sldId id="276"/>
+            <p14:sldId id="301"/>
             <p14:sldId id="261"/>
             <p14:sldId id="277"/>
             <p14:sldId id="285"/>
             <p14:sldId id="295"/>
             <p14:sldId id="294"/>
             <p14:sldId id="296"/>
-            <p14:sldId id="297"/>
-            <p14:sldId id="298"/>
             <p14:sldId id="300"/>
             <p14:sldId id="278"/>
             <p14:sldId id="279"/>
@@ -290,7 +288,7 @@
           <a:p>
             <a:fld id="{6984DE07-92F2-2343-975E-01B2B60DD88E}" type="datetimeFigureOut">
               <a:rPr lang="en-US" smtClean="0"/>
-              <a:t>3/3/25</a:t>
+              <a:t>3/9/25</a:t>
             </a:fld>
             <a:endParaRPr lang="en-US"/>
           </a:p>
@@ -456,7 +454,7 @@
           <a:p>
             <a:fld id="{A01ED2CA-7419-5A44-8670-92F855D272C3}" type="datetimeFigureOut">
               <a:rPr lang="en-US" smtClean="0"/>
-              <a:t>3/3/25</a:t>
+              <a:t>3/9/25</a:t>
             </a:fld>
             <a:endParaRPr lang="en-US"/>
           </a:p>
@@ -3857,19 +3855,15 @@
           <a:lstStyle/>
           <a:p>
             <a:r>
+              <a:rPr lang="en-GB" sz="3200" dirty="0"/>
+              <a:t>10/0</a:t>
+            </a:r>
+            <a:r>
               <a:rPr lang="ru-RU" sz="3200" dirty="0"/>
               <a:t>3</a:t>
             </a:r>
             <a:r>
               <a:rPr lang="en-GB" sz="3200" dirty="0"/>
-              <a:t>/0</a:t>
-            </a:r>
-            <a:r>
-              <a:rPr lang="ru-RU" sz="3200"/>
-              <a:t>3</a:t>
-            </a:r>
-            <a:r>
-              <a:rPr lang="en-GB" sz="3200"/>
               <a:t>/2025</a:t>
             </a:r>
             <a:endParaRPr lang="en-US" sz="3200" dirty="0"/>
@@ -6034,6 +6028,136 @@
       </p:grpSpPr>
       <p:sp>
         <p:nvSpPr>
+          <p:cNvPr id="2" name="Title 1">
+            <a:extLst>
+              <a:ext uri="{FF2B5EF4-FFF2-40B4-BE49-F238E27FC236}">
+                <a16:creationId xmlns:a16="http://schemas.microsoft.com/office/drawing/2014/main" id="{16401627-C0F8-B8E9-17FB-8F13457C4AAD}"/>
+              </a:ext>
+            </a:extLst>
+          </p:cNvPr>
+          <p:cNvSpPr>
+            <a:spLocks noGrp="1"/>
+          </p:cNvSpPr>
+          <p:nvPr>
+            <p:ph type="title"/>
+          </p:nvPr>
+        </p:nvSpPr>
+        <p:spPr/>
+        <p:txBody>
+          <a:bodyPr>
+            <a:normAutofit fontScale="90000"/>
+          </a:bodyPr>
+          <a:lstStyle/>
+          <a:p>
+            <a:r>
+              <a:rPr lang="en-GB" dirty="0"/>
+              <a:t>What Is the Train Test Split Procedure?</a:t>
+            </a:r>
+            <a:endParaRPr lang="en-US" dirty="0"/>
+          </a:p>
+        </p:txBody>
+      </p:sp>
+      <p:pic>
+        <p:nvPicPr>
+          <p:cNvPr id="7" name="Content Placeholder 6" descr="A diagram of a train test&#10;&#10;Description automatically generated">
+            <a:extLst>
+              <a:ext uri="{FF2B5EF4-FFF2-40B4-BE49-F238E27FC236}">
+                <a16:creationId xmlns:a16="http://schemas.microsoft.com/office/drawing/2014/main" id="{AE7DC39F-501F-5A85-BC46-A37C4B1AE9B3}"/>
+              </a:ext>
+            </a:extLst>
+          </p:cNvPr>
+          <p:cNvPicPr>
+            <a:picLocks noGrp="1" noChangeAspect="1"/>
+          </p:cNvPicPr>
+          <p:nvPr>
+            <p:ph idx="1"/>
+          </p:nvPr>
+        </p:nvPicPr>
+        <p:blipFill>
+          <a:blip r:embed="rId2"/>
+          <a:stretch>
+            <a:fillRect/>
+          </a:stretch>
+        </p:blipFill>
+        <p:spPr>
+          <a:xfrm>
+            <a:off x="502759" y="2022349"/>
+            <a:ext cx="8138481" cy="2813302"/>
+          </a:xfrm>
+        </p:spPr>
+      </p:pic>
+      <p:sp>
+        <p:nvSpPr>
+          <p:cNvPr id="9" name="TextBox 8">
+            <a:extLst>
+              <a:ext uri="{FF2B5EF4-FFF2-40B4-BE49-F238E27FC236}">
+                <a16:creationId xmlns:a16="http://schemas.microsoft.com/office/drawing/2014/main" id="{7886B1CE-8BA3-8CA0-1414-10BB093A8155}"/>
+              </a:ext>
+            </a:extLst>
+          </p:cNvPr>
+          <p:cNvSpPr txBox="1"/>
+          <p:nvPr/>
+        </p:nvSpPr>
+        <p:spPr>
+          <a:xfrm>
+            <a:off x="6244682" y="4740195"/>
+            <a:ext cx="2598234" cy="369332"/>
+          </a:xfrm>
+          <a:prstGeom prst="rect">
+            <a:avLst/>
+          </a:prstGeom>
+          <a:noFill/>
+        </p:spPr>
+        <p:txBody>
+          <a:bodyPr wrap="square">
+            <a:spAutoFit/>
+          </a:bodyPr>
+          <a:lstStyle/>
+          <a:p>
+            <a:r>
+              <a:rPr lang="en-GB" dirty="0"/>
+              <a:t>Image: Michael </a:t>
+            </a:r>
+            <a:r>
+              <a:rPr lang="en-GB" dirty="0" err="1"/>
+              <a:t>Galarnyk</a:t>
+            </a:r>
+            <a:endParaRPr lang="en-US" dirty="0"/>
+          </a:p>
+        </p:txBody>
+      </p:sp>
+    </p:spTree>
+    <p:extLst>
+      <p:ext uri="{BB962C8B-B14F-4D97-AF65-F5344CB8AC3E}">
+        <p14:creationId xmlns:p14="http://schemas.microsoft.com/office/powerpoint/2010/main" val="3976582743"/>
+      </p:ext>
+    </p:extLst>
+  </p:cSld>
+  <p:clrMapOvr>
+    <a:masterClrMapping/>
+  </p:clrMapOvr>
+</p:sld>
+</file>
+
+<file path=ppt/slides/slide15.xml><?xml version="1.0" encoding="utf-8"?>
+<p:sld xmlns:a="http://schemas.openxmlformats.org/drawingml/2006/main" xmlns:r="http://schemas.openxmlformats.org/officeDocument/2006/relationships" xmlns:p="http://schemas.openxmlformats.org/presentationml/2006/main">
+  <p:cSld>
+    <p:spTree>
+      <p:nvGrpSpPr>
+        <p:cNvPr id="1" name=""/>
+        <p:cNvGrpSpPr/>
+        <p:nvPr/>
+      </p:nvGrpSpPr>
+      <p:grpSpPr>
+        <a:xfrm>
+          <a:off x="0" y="0"/>
+          <a:ext cx="0" cy="0"/>
+          <a:chOff x="0" y="0"/>
+          <a:chExt cx="0" cy="0"/>
+        </a:xfrm>
+      </p:grpSpPr>
+      <p:sp>
+        <p:nvSpPr>
           <p:cNvPr id="5" name="Rectangle 4"/>
           <p:cNvSpPr/>
           <p:nvPr/>
@@ -6570,7 +6694,7 @@
 </p:sld>
 </file>
 
-<file path=ppt/slides/slide15.xml><?xml version="1.0" encoding="utf-8"?>
+<file path=ppt/slides/slide16.xml><?xml version="1.0" encoding="utf-8"?>
 <p:sld xmlns:a="http://schemas.openxmlformats.org/drawingml/2006/main" xmlns:r="http://schemas.openxmlformats.org/officeDocument/2006/relationships" xmlns:p="http://schemas.openxmlformats.org/presentationml/2006/main">
   <p:cSld>
     <p:spTree>
@@ -7110,7 +7234,7 @@
 </p:sld>
 </file>
 
-<file path=ppt/slides/slide16.xml><?xml version="1.0" encoding="utf-8"?>
+<file path=ppt/slides/slide17.xml><?xml version="1.0" encoding="utf-8"?>
 <p:sld xmlns:a="http://schemas.openxmlformats.org/drawingml/2006/main" xmlns:r="http://schemas.openxmlformats.org/officeDocument/2006/relationships" xmlns:p="http://schemas.openxmlformats.org/presentationml/2006/main">
   <p:cSld>
     <p:spTree>
@@ -7525,7 +7649,7 @@
 </p:sld>
 </file>
 
-<file path=ppt/slides/slide17.xml><?xml version="1.0" encoding="utf-8"?>
+<file path=ppt/slides/slide18.xml><?xml version="1.0" encoding="utf-8"?>
 <p:sld xmlns:a="http://schemas.openxmlformats.org/drawingml/2006/main" xmlns:r="http://schemas.openxmlformats.org/officeDocument/2006/relationships" xmlns:p="http://schemas.openxmlformats.org/presentationml/2006/main">
   <p:cSld>
     <p:spTree>
@@ -7675,7 +7799,7 @@
 </p:sld>
 </file>
 
-<file path=ppt/slides/slide18.xml><?xml version="1.0" encoding="utf-8"?>
+<file path=ppt/slides/slide19.xml><?xml version="1.0" encoding="utf-8"?>
 <p:sld xmlns:a="http://schemas.openxmlformats.org/drawingml/2006/main" xmlns:r="http://schemas.openxmlformats.org/officeDocument/2006/relationships" xmlns:p="http://schemas.openxmlformats.org/presentationml/2006/main">
   <p:cSld>
     <p:bg>
@@ -8105,7 +8229,171 @@
 </p:sld>
 </file>
 
-<file path=ppt/slides/slide19.xml><?xml version="1.0" encoding="utf-8"?>
+<file path=ppt/slides/slide2.xml><?xml version="1.0" encoding="utf-8"?>
+<p:sld xmlns:a="http://schemas.openxmlformats.org/drawingml/2006/main" xmlns:r="http://schemas.openxmlformats.org/officeDocument/2006/relationships" xmlns:p="http://schemas.openxmlformats.org/presentationml/2006/main">
+  <p:cSld>
+    <p:spTree>
+      <p:nvGrpSpPr>
+        <p:cNvPr id="1" name=""/>
+        <p:cNvGrpSpPr/>
+        <p:nvPr/>
+      </p:nvGrpSpPr>
+      <p:grpSpPr>
+        <a:xfrm>
+          <a:off x="0" y="0"/>
+          <a:ext cx="0" cy="0"/>
+          <a:chOff x="0" y="0"/>
+          <a:chExt cx="0" cy="0"/>
+        </a:xfrm>
+      </p:grpSpPr>
+      <p:sp>
+        <p:nvSpPr>
+          <p:cNvPr id="2" name="Title 1"/>
+          <p:cNvSpPr>
+            <a:spLocks noGrp="1"/>
+          </p:cNvSpPr>
+          <p:nvPr>
+            <p:ph type="title"/>
+          </p:nvPr>
+        </p:nvSpPr>
+        <p:spPr/>
+        <p:txBody>
+          <a:bodyPr>
+            <a:normAutofit/>
+          </a:bodyPr>
+          <a:lstStyle/>
+          <a:p>
+            <a:r>
+              <a:rPr lang="en-US" sz="3200" dirty="0"/>
+              <a:t>Before we start</a:t>
+            </a:r>
+            <a:r>
+              <a:rPr lang="mr-IN" sz="3200" dirty="0"/>
+              <a:t>…</a:t>
+            </a:r>
+            <a:endParaRPr lang="en-US" sz="3200" dirty="0"/>
+          </a:p>
+        </p:txBody>
+      </p:sp>
+      <p:sp>
+        <p:nvSpPr>
+          <p:cNvPr id="6" name="Rectangle 5"/>
+          <p:cNvSpPr/>
+          <p:nvPr/>
+        </p:nvSpPr>
+        <p:spPr>
+          <a:xfrm>
+            <a:off x="1269935" y="1826664"/>
+            <a:ext cx="6518990" cy="3785652"/>
+          </a:xfrm>
+          <a:prstGeom prst="rect">
+            <a:avLst/>
+          </a:prstGeom>
+        </p:spPr>
+        <p:txBody>
+          <a:bodyPr wrap="square">
+            <a:spAutoFit/>
+          </a:bodyPr>
+          <a:lstStyle/>
+          <a:p>
+            <a:r>
+              <a:rPr lang="en-US" sz="2000" dirty="0"/>
+              <a:t>List of the Python SciPy libraries required for this </a:t>
+            </a:r>
+            <a:r>
+              <a:rPr lang="en-GB" sz="2000" dirty="0"/>
+              <a:t>session</a:t>
+            </a:r>
+            <a:r>
+              <a:rPr lang="en-US" sz="2000" dirty="0"/>
+              <a:t>:</a:t>
+            </a:r>
+          </a:p>
+          <a:p>
+            <a:r>
+              <a:rPr lang="en-US" sz="2000" dirty="0" err="1"/>
+              <a:t>scipy</a:t>
+            </a:r>
+            <a:endParaRPr lang="en-US" sz="2000" dirty="0"/>
+          </a:p>
+          <a:p>
+            <a:r>
+              <a:rPr lang="en-US" sz="2000" dirty="0" err="1"/>
+              <a:t>numpy</a:t>
+            </a:r>
+            <a:endParaRPr lang="en-US" sz="2000" dirty="0"/>
+          </a:p>
+          <a:p>
+            <a:r>
+              <a:rPr lang="en-US" sz="2000" dirty="0" err="1"/>
+              <a:t>matplotlib</a:t>
+            </a:r>
+            <a:endParaRPr lang="en-US" sz="2000" dirty="0"/>
+          </a:p>
+          <a:p>
+            <a:r>
+              <a:rPr lang="en-US" sz="2000" dirty="0"/>
+              <a:t>pandas</a:t>
+            </a:r>
+          </a:p>
+          <a:p>
+            <a:r>
+              <a:rPr lang="en-US" sz="2000" dirty="0" err="1"/>
+              <a:t>Sklearn</a:t>
+            </a:r>
+            <a:endParaRPr lang="en-US" sz="2000" dirty="0"/>
+          </a:p>
+          <a:p>
+            <a:endParaRPr lang="en-US" sz="2000" dirty="0"/>
+          </a:p>
+          <a:p>
+            <a:r>
+              <a:rPr lang="en-US" sz="2000" dirty="0"/>
+              <a:t>Note: tutor will be using Spyder IDE through Anaconda, however, it’s up to you what to use!</a:t>
+            </a:r>
+          </a:p>
+          <a:p>
+            <a:endParaRPr lang="en-US" sz="2000" dirty="0"/>
+          </a:p>
+          <a:p>
+            <a:r>
+              <a:rPr lang="en-US" sz="2000" dirty="0"/>
+              <a:t>Python scripts and slides available at </a:t>
+            </a:r>
+            <a:r>
+              <a:rPr lang="en-US" sz="2000" dirty="0" err="1"/>
+              <a:t>Github</a:t>
+            </a:r>
+            <a:endParaRPr lang="en-US" sz="2000" dirty="0"/>
+          </a:p>
+          <a:p>
+            <a:r>
+              <a:rPr lang="en-US" sz="2000" dirty="0">
+                <a:hlinkClick r:id="rId2"/>
+              </a:rPr>
+              <a:t>https://github.com/sraorao/ML_DL_intro_python_HT2025_3</a:t>
+            </a:r>
+            <a:r>
+              <a:rPr lang="en-US" sz="2000" dirty="0"/>
+              <a:t> </a:t>
+            </a:r>
+          </a:p>
+        </p:txBody>
+      </p:sp>
+    </p:spTree>
+    <p:extLst>
+      <p:ext uri="{BB962C8B-B14F-4D97-AF65-F5344CB8AC3E}">
+        <p14:creationId xmlns:p14="http://schemas.microsoft.com/office/powerpoint/2010/main" val="2838324276"/>
+      </p:ext>
+    </p:extLst>
+  </p:cSld>
+  <p:clrMapOvr>
+    <a:masterClrMapping/>
+  </p:clrMapOvr>
+</p:sld>
+</file>
+
+<file path=ppt/slides/slide20.xml><?xml version="1.0" encoding="utf-8"?>
 <p:sld xmlns:a="http://schemas.openxmlformats.org/drawingml/2006/main" xmlns:r="http://schemas.openxmlformats.org/officeDocument/2006/relationships" xmlns:p="http://schemas.openxmlformats.org/presentationml/2006/main">
   <p:cSld>
     <p:spTree>
@@ -8330,976 +8618,7 @@
 </p:sld>
 </file>
 
-<file path=ppt/slides/slide2.xml><?xml version="1.0" encoding="utf-8"?>
-<p:sld xmlns:a="http://schemas.openxmlformats.org/drawingml/2006/main" xmlns:r="http://schemas.openxmlformats.org/officeDocument/2006/relationships" xmlns:p="http://schemas.openxmlformats.org/presentationml/2006/main">
-  <p:cSld>
-    <p:spTree>
-      <p:nvGrpSpPr>
-        <p:cNvPr id="1" name=""/>
-        <p:cNvGrpSpPr/>
-        <p:nvPr/>
-      </p:nvGrpSpPr>
-      <p:grpSpPr>
-        <a:xfrm>
-          <a:off x="0" y="0"/>
-          <a:ext cx="0" cy="0"/>
-          <a:chOff x="0" y="0"/>
-          <a:chExt cx="0" cy="0"/>
-        </a:xfrm>
-      </p:grpSpPr>
-      <p:sp>
-        <p:nvSpPr>
-          <p:cNvPr id="2" name="Title 1"/>
-          <p:cNvSpPr>
-            <a:spLocks noGrp="1"/>
-          </p:cNvSpPr>
-          <p:nvPr>
-            <p:ph type="title"/>
-          </p:nvPr>
-        </p:nvSpPr>
-        <p:spPr/>
-        <p:txBody>
-          <a:bodyPr>
-            <a:normAutofit/>
-          </a:bodyPr>
-          <a:lstStyle/>
-          <a:p>
-            <a:r>
-              <a:rPr lang="en-US" sz="3200" dirty="0"/>
-              <a:t>Before we start</a:t>
-            </a:r>
-            <a:r>
-              <a:rPr lang="mr-IN" sz="3200" dirty="0"/>
-              <a:t>…</a:t>
-            </a:r>
-            <a:endParaRPr lang="en-US" sz="3200" dirty="0"/>
-          </a:p>
-        </p:txBody>
-      </p:sp>
-      <p:sp>
-        <p:nvSpPr>
-          <p:cNvPr id="6" name="Rectangle 5"/>
-          <p:cNvSpPr/>
-          <p:nvPr/>
-        </p:nvSpPr>
-        <p:spPr>
-          <a:xfrm>
-            <a:off x="1269935" y="1826664"/>
-            <a:ext cx="6518990" cy="3785652"/>
-          </a:xfrm>
-          <a:prstGeom prst="rect">
-            <a:avLst/>
-          </a:prstGeom>
-        </p:spPr>
-        <p:txBody>
-          <a:bodyPr wrap="square">
-            <a:spAutoFit/>
-          </a:bodyPr>
-          <a:lstStyle/>
-          <a:p>
-            <a:r>
-              <a:rPr lang="en-US" sz="2000" dirty="0"/>
-              <a:t>List of the Python SciPy libraries required for this </a:t>
-            </a:r>
-            <a:r>
-              <a:rPr lang="en-GB" sz="2000" dirty="0"/>
-              <a:t>session</a:t>
-            </a:r>
-            <a:r>
-              <a:rPr lang="en-US" sz="2000" dirty="0"/>
-              <a:t>:</a:t>
-            </a:r>
-          </a:p>
-          <a:p>
-            <a:r>
-              <a:rPr lang="en-US" sz="2000" dirty="0" err="1"/>
-              <a:t>scipy</a:t>
-            </a:r>
-            <a:endParaRPr lang="en-US" sz="2000" dirty="0"/>
-          </a:p>
-          <a:p>
-            <a:r>
-              <a:rPr lang="en-US" sz="2000" dirty="0" err="1"/>
-              <a:t>numpy</a:t>
-            </a:r>
-            <a:endParaRPr lang="en-US" sz="2000" dirty="0"/>
-          </a:p>
-          <a:p>
-            <a:r>
-              <a:rPr lang="en-US" sz="2000" dirty="0" err="1"/>
-              <a:t>matplotlib</a:t>
-            </a:r>
-            <a:endParaRPr lang="en-US" sz="2000" dirty="0"/>
-          </a:p>
-          <a:p>
-            <a:r>
-              <a:rPr lang="en-US" sz="2000" dirty="0"/>
-              <a:t>pandas</a:t>
-            </a:r>
-          </a:p>
-          <a:p>
-            <a:r>
-              <a:rPr lang="en-US" sz="2000" dirty="0" err="1"/>
-              <a:t>Sklearn</a:t>
-            </a:r>
-            <a:endParaRPr lang="en-US" sz="2000" dirty="0"/>
-          </a:p>
-          <a:p>
-            <a:endParaRPr lang="en-US" sz="2000" dirty="0"/>
-          </a:p>
-          <a:p>
-            <a:r>
-              <a:rPr lang="en-US" sz="2000" dirty="0"/>
-              <a:t>Note: tutor will be using Spyder IDE through Anaconda, however, it’s up to you what to use!</a:t>
-            </a:r>
-          </a:p>
-          <a:p>
-            <a:endParaRPr lang="en-US" sz="2000" dirty="0"/>
-          </a:p>
-          <a:p>
-            <a:r>
-              <a:rPr lang="en-US" sz="2000" dirty="0"/>
-              <a:t>Python scripts and slides available at </a:t>
-            </a:r>
-            <a:r>
-              <a:rPr lang="en-US" sz="2000" dirty="0" err="1"/>
-              <a:t>Github</a:t>
-            </a:r>
-            <a:endParaRPr lang="en-US" sz="2000" dirty="0"/>
-          </a:p>
-          <a:p>
-            <a:r>
-              <a:rPr lang="en-US" sz="2000" dirty="0">
-                <a:hlinkClick r:id="rId2"/>
-              </a:rPr>
-              <a:t>https://github.com/sraorao/ML_DL_intro_python_HT2025_2</a:t>
-            </a:r>
-            <a:r>
-              <a:rPr lang="ru-RU" sz="2000" dirty="0"/>
-              <a:t> </a:t>
-            </a:r>
-            <a:endParaRPr lang="en-US" sz="2000" dirty="0"/>
-          </a:p>
-        </p:txBody>
-      </p:sp>
-    </p:spTree>
-    <p:extLst>
-      <p:ext uri="{BB962C8B-B14F-4D97-AF65-F5344CB8AC3E}">
-        <p14:creationId xmlns:p14="http://schemas.microsoft.com/office/powerpoint/2010/main" val="2838324276"/>
-      </p:ext>
-    </p:extLst>
-  </p:cSld>
-  <p:clrMapOvr>
-    <a:masterClrMapping/>
-  </p:clrMapOvr>
-</p:sld>
-</file>
-
-<file path=ppt/slides/slide20.xml><?xml version="1.0" encoding="utf-8"?>
-<p:sld xmlns:a="http://schemas.openxmlformats.org/drawingml/2006/main" xmlns:r="http://schemas.openxmlformats.org/officeDocument/2006/relationships" xmlns:p="http://schemas.openxmlformats.org/presentationml/2006/main">
-  <p:cSld>
-    <p:spTree>
-      <p:nvGrpSpPr>
-        <p:cNvPr id="1" name="">
-          <a:extLst>
-            <a:ext uri="{FF2B5EF4-FFF2-40B4-BE49-F238E27FC236}">
-              <a16:creationId xmlns:a16="http://schemas.microsoft.com/office/drawing/2014/main" id="{730F9179-326E-1983-1650-0891B0DBEBB2}"/>
-            </a:ext>
-          </a:extLst>
-        </p:cNvPr>
-        <p:cNvGrpSpPr/>
-        <p:nvPr/>
-      </p:nvGrpSpPr>
-      <p:grpSpPr>
-        <a:xfrm>
-          <a:off x="0" y="0"/>
-          <a:ext cx="0" cy="0"/>
-          <a:chOff x="0" y="0"/>
-          <a:chExt cx="0" cy="0"/>
-        </a:xfrm>
-      </p:grpSpPr>
-      <p:sp>
-        <p:nvSpPr>
-          <p:cNvPr id="2" name="Title 1">
-            <a:extLst>
-              <a:ext uri="{FF2B5EF4-FFF2-40B4-BE49-F238E27FC236}">
-                <a16:creationId xmlns:a16="http://schemas.microsoft.com/office/drawing/2014/main" id="{8D6B35E9-F813-9DEB-8927-D3E2B4C5152E}"/>
-              </a:ext>
-            </a:extLst>
-          </p:cNvPr>
-          <p:cNvSpPr>
-            <a:spLocks noGrp="1"/>
-          </p:cNvSpPr>
-          <p:nvPr>
-            <p:ph type="title"/>
-          </p:nvPr>
-        </p:nvSpPr>
-        <p:spPr/>
-        <p:txBody>
-          <a:bodyPr>
-            <a:noAutofit/>
-          </a:bodyPr>
-          <a:lstStyle/>
-          <a:p>
-            <a:pPr marL="0" indent="0">
-              <a:buNone/>
-            </a:pPr>
-            <a:r>
-              <a:rPr lang="en-GB" sz="3200" b="1" i="0" u="none" strike="noStrike" dirty="0">
-                <a:solidFill>
-                  <a:srgbClr val="000000"/>
-                </a:solidFill>
-                <a:effectLst/>
-              </a:rPr>
-              <a:t>Linear Models with regularization</a:t>
-            </a:r>
-            <a:endParaRPr lang="en-GB" sz="3200" b="0" i="0" u="none" strike="noStrike" dirty="0">
-              <a:solidFill>
-                <a:srgbClr val="000000"/>
-              </a:solidFill>
-              <a:effectLst/>
-            </a:endParaRPr>
-          </a:p>
-        </p:txBody>
-      </p:sp>
-      <p:sp>
-        <p:nvSpPr>
-          <p:cNvPr id="3" name="Content Placeholder 2">
-            <a:extLst>
-              <a:ext uri="{FF2B5EF4-FFF2-40B4-BE49-F238E27FC236}">
-                <a16:creationId xmlns:a16="http://schemas.microsoft.com/office/drawing/2014/main" id="{C7F41C7D-42A6-F9EF-B332-1165187BC70A}"/>
-              </a:ext>
-            </a:extLst>
-          </p:cNvPr>
-          <p:cNvSpPr>
-            <a:spLocks noGrp="1"/>
-          </p:cNvSpPr>
-          <p:nvPr>
-            <p:ph idx="1"/>
-          </p:nvPr>
-        </p:nvSpPr>
-        <p:spPr>
-          <a:xfrm>
-            <a:off x="457200" y="1178805"/>
-            <a:ext cx="8229600" cy="5519449"/>
-          </a:xfrm>
-        </p:spPr>
-        <p:txBody>
-          <a:bodyPr>
-            <a:normAutofit fontScale="47500" lnSpcReduction="20000"/>
-          </a:bodyPr>
-          <a:lstStyle/>
-          <a:p>
-            <a:pPr marL="0" indent="0" algn="l">
-              <a:buNone/>
-            </a:pPr>
-            <a:r>
-              <a:rPr lang="en-GB" sz="4500" b="1" i="0" u="none" strike="noStrike" dirty="0">
-                <a:solidFill>
-                  <a:srgbClr val="000000"/>
-                </a:solidFill>
-                <a:effectLst/>
-              </a:rPr>
-              <a:t>Typical Methods</a:t>
-            </a:r>
-            <a:r>
-              <a:rPr lang="en-GB" sz="4500" b="0" i="0" u="none" strike="noStrike" dirty="0">
-                <a:solidFill>
-                  <a:srgbClr val="000000"/>
-                </a:solidFill>
-                <a:effectLst/>
-              </a:rPr>
-              <a:t>:</a:t>
-            </a:r>
-          </a:p>
-          <a:p>
-            <a:pPr marL="0" indent="0" algn="l">
-              <a:buNone/>
-            </a:pPr>
-            <a:r>
-              <a:rPr lang="en-GB" sz="4000" b="1" i="0" u="none" strike="noStrike" dirty="0">
-                <a:solidFill>
-                  <a:srgbClr val="000000"/>
-                </a:solidFill>
-                <a:effectLst/>
-              </a:rPr>
-              <a:t>Linear Models</a:t>
-            </a:r>
-            <a:endParaRPr lang="en-GB" sz="4000" b="0" i="0" u="none" strike="noStrike" dirty="0">
-              <a:solidFill>
-                <a:srgbClr val="000000"/>
-              </a:solidFill>
-              <a:effectLst/>
-            </a:endParaRPr>
-          </a:p>
-          <a:p>
-            <a:pPr lvl="1">
-              <a:buFont typeface="Arial" panose="020B0604020202020204" pitchFamily="34" charset="0"/>
-              <a:buChar char="•"/>
-            </a:pPr>
-            <a:r>
-              <a:rPr lang="en-GB" sz="3800" b="1" i="0" u="none" strike="noStrike" dirty="0">
-                <a:solidFill>
-                  <a:srgbClr val="000000"/>
-                </a:solidFill>
-                <a:effectLst/>
-              </a:rPr>
-              <a:t>Ridge Regression (R)</a:t>
-            </a:r>
-            <a:r>
-              <a:rPr lang="en-GB" sz="3800" b="0" i="0" u="none" strike="noStrike" dirty="0">
-                <a:solidFill>
-                  <a:srgbClr val="000000"/>
-                </a:solidFill>
-                <a:effectLst/>
-              </a:rPr>
-              <a:t>: A linear model that includes L2 regularization to prevent overfitting by penalizing large coefficients, making it suitable for multicollinearity.</a:t>
-            </a:r>
-          </a:p>
-          <a:p>
-            <a:pPr lvl="1">
-              <a:buFont typeface="Arial" panose="020B0604020202020204" pitchFamily="34" charset="0"/>
-              <a:buChar char="•"/>
-            </a:pPr>
-            <a:r>
-              <a:rPr lang="en-GB" sz="3800" b="1" i="0" u="none" strike="noStrike" dirty="0">
-                <a:solidFill>
-                  <a:srgbClr val="000000"/>
-                </a:solidFill>
-                <a:effectLst/>
-              </a:rPr>
-              <a:t>Lasso Regression</a:t>
-            </a:r>
-            <a:r>
-              <a:rPr lang="en-GB" sz="3800" b="0" i="0" u="none" strike="noStrike" dirty="0">
-                <a:solidFill>
-                  <a:srgbClr val="000000"/>
-                </a:solidFill>
-                <a:effectLst/>
-              </a:rPr>
-              <a:t>: A linear model with L1 regularization that can shrink some coefficients to zero, effectively performing variable selection.</a:t>
-            </a:r>
-          </a:p>
-          <a:p>
-            <a:pPr lvl="1">
-              <a:buFont typeface="Arial" panose="020B0604020202020204" pitchFamily="34" charset="0"/>
-              <a:buChar char="•"/>
-            </a:pPr>
-            <a:r>
-              <a:rPr lang="en-GB" sz="3800" b="1" i="0" u="none" strike="noStrike" dirty="0" err="1">
-                <a:solidFill>
-                  <a:srgbClr val="000000"/>
-                </a:solidFill>
-                <a:effectLst/>
-              </a:rPr>
-              <a:t>ElasticNet</a:t>
-            </a:r>
-            <a:r>
-              <a:rPr lang="en-GB" sz="3800" b="1" i="0" u="none" strike="noStrike" dirty="0">
-                <a:solidFill>
-                  <a:srgbClr val="000000"/>
-                </a:solidFill>
-                <a:effectLst/>
-              </a:rPr>
-              <a:t> (EN)</a:t>
-            </a:r>
-            <a:r>
-              <a:rPr lang="en-GB" sz="3800" b="0" i="0" u="none" strike="noStrike" dirty="0">
-                <a:solidFill>
-                  <a:srgbClr val="000000"/>
-                </a:solidFill>
-                <a:effectLst/>
-              </a:rPr>
-              <a:t>: Combines both L1 and L2 regularization, allowing for a balance between Ridge and Lasso, useful when multiple features are correlated.</a:t>
-            </a:r>
-          </a:p>
-          <a:p>
-            <a:pPr marL="0" indent="0">
-              <a:buNone/>
-            </a:pPr>
-            <a:r>
-              <a:rPr lang="en-GB" sz="4000" b="1" i="0" u="none" strike="noStrike" dirty="0">
-                <a:solidFill>
-                  <a:srgbClr val="000000"/>
-                </a:solidFill>
-                <a:effectLst/>
-              </a:rPr>
-              <a:t>Non-Linear Models</a:t>
-            </a:r>
-            <a:endParaRPr lang="en-GB" sz="4000" b="0" i="0" u="none" strike="noStrike" dirty="0">
-              <a:solidFill>
-                <a:srgbClr val="000000"/>
-              </a:solidFill>
-              <a:effectLst/>
-            </a:endParaRPr>
-          </a:p>
-          <a:p>
-            <a:pPr lvl="1">
-              <a:buFont typeface="Arial" panose="020B0604020202020204" pitchFamily="34" charset="0"/>
-              <a:buChar char="•"/>
-            </a:pPr>
-            <a:r>
-              <a:rPr lang="en-GB" sz="3800" b="1" i="0" u="none" strike="noStrike" dirty="0">
-                <a:solidFill>
-                  <a:srgbClr val="000000"/>
-                </a:solidFill>
-                <a:effectLst/>
-              </a:rPr>
-              <a:t>K-Nearest </a:t>
-            </a:r>
-            <a:r>
-              <a:rPr lang="en-GB" sz="3800" b="1" i="0" u="none" strike="noStrike" dirty="0" err="1">
-                <a:solidFill>
-                  <a:srgbClr val="000000"/>
-                </a:solidFill>
-                <a:effectLst/>
-              </a:rPr>
-              <a:t>Neighbors</a:t>
-            </a:r>
-            <a:r>
-              <a:rPr lang="en-GB" sz="3800" b="1" i="0" u="none" strike="noStrike" dirty="0">
-                <a:solidFill>
-                  <a:srgbClr val="000000"/>
-                </a:solidFill>
-                <a:effectLst/>
-              </a:rPr>
-              <a:t> (KNN)</a:t>
-            </a:r>
-            <a:r>
-              <a:rPr lang="en-GB" sz="3800" b="0" i="0" u="none" strike="noStrike" dirty="0">
-                <a:solidFill>
-                  <a:srgbClr val="000000"/>
-                </a:solidFill>
-                <a:effectLst/>
-              </a:rPr>
-              <a:t>: A non-parametric model that predicts the target variable based on the average of the k-nearest data points in the feature space.</a:t>
-            </a:r>
-          </a:p>
-          <a:p>
-            <a:pPr lvl="1">
-              <a:buFont typeface="Arial" panose="020B0604020202020204" pitchFamily="34" charset="0"/>
-              <a:buChar char="•"/>
-            </a:pPr>
-            <a:r>
-              <a:rPr lang="en-GB" sz="3800" b="1" i="0" u="none" strike="noStrike" dirty="0">
-                <a:solidFill>
-                  <a:srgbClr val="000000"/>
-                </a:solidFill>
-                <a:effectLst/>
-              </a:rPr>
-              <a:t>Decision Tree Regressor (DTR)</a:t>
-            </a:r>
-            <a:r>
-              <a:rPr lang="en-GB" sz="3800" b="0" i="0" u="none" strike="noStrike" dirty="0">
-                <a:solidFill>
-                  <a:srgbClr val="000000"/>
-                </a:solidFill>
-                <a:effectLst/>
-              </a:rPr>
-              <a:t>: A model that splits the data into subsets based on feature value thresholds, creating a tree-like structure to make predictions.</a:t>
-            </a:r>
-          </a:p>
-          <a:p>
-            <a:pPr lvl="1">
-              <a:buFont typeface="Arial" panose="020B0604020202020204" pitchFamily="34" charset="0"/>
-              <a:buChar char="•"/>
-            </a:pPr>
-            <a:r>
-              <a:rPr lang="en-GB" sz="3800" b="1" i="0" u="none" strike="noStrike" dirty="0">
-                <a:solidFill>
-                  <a:srgbClr val="000000"/>
-                </a:solidFill>
-                <a:effectLst/>
-              </a:rPr>
-              <a:t>Support Vector Regressor (SVR)</a:t>
-            </a:r>
-            <a:r>
-              <a:rPr lang="en-GB" sz="3800" b="0" i="0" u="none" strike="noStrike" dirty="0">
-                <a:solidFill>
-                  <a:srgbClr val="000000"/>
-                </a:solidFill>
-                <a:effectLst/>
-              </a:rPr>
-              <a:t>: A model that uses support vector machines for regression tasks, trying to find the best hyperplane that fits the data while maintaining a margin of tolerance.</a:t>
-            </a:r>
-          </a:p>
-          <a:p>
-            <a:pPr lvl="1">
-              <a:buFont typeface="Arial" panose="020B0604020202020204" pitchFamily="34" charset="0"/>
-              <a:buChar char="•"/>
-            </a:pPr>
-            <a:r>
-              <a:rPr lang="en-GB" sz="3800" b="1" i="0" u="none" strike="noStrike" dirty="0">
-                <a:solidFill>
-                  <a:srgbClr val="000000"/>
-                </a:solidFill>
-                <a:effectLst/>
-              </a:rPr>
-              <a:t>Random Forest (RF)</a:t>
-            </a:r>
-            <a:r>
-              <a:rPr lang="en-GB" sz="3800" b="0" i="0" u="none" strike="noStrike" dirty="0">
-                <a:solidFill>
-                  <a:srgbClr val="000000"/>
-                </a:solidFill>
-                <a:effectLst/>
-              </a:rPr>
-              <a:t>: An ensemble method that builds multiple decision trees and merges them to improve accuracy and control overfitting.</a:t>
-            </a:r>
-          </a:p>
-        </p:txBody>
-      </p:sp>
-      <p:sp>
-        <p:nvSpPr>
-          <p:cNvPr id="6" name="TextBox 5">
-            <a:extLst>
-              <a:ext uri="{FF2B5EF4-FFF2-40B4-BE49-F238E27FC236}">
-                <a16:creationId xmlns:a16="http://schemas.microsoft.com/office/drawing/2014/main" id="{256703E3-3911-5FE9-E0E1-6EC1D88BC7BE}"/>
-              </a:ext>
-            </a:extLst>
-          </p:cNvPr>
-          <p:cNvSpPr txBox="1"/>
-          <p:nvPr/>
-        </p:nvSpPr>
-        <p:spPr>
-          <a:xfrm>
-            <a:off x="5473698" y="6488668"/>
-            <a:ext cx="3769558" cy="369332"/>
-          </a:xfrm>
-          <a:prstGeom prst="rect">
-            <a:avLst/>
-          </a:prstGeom>
-          <a:noFill/>
-        </p:spPr>
-        <p:txBody>
-          <a:bodyPr wrap="none" rtlCol="0">
-            <a:spAutoFit/>
-          </a:bodyPr>
-          <a:lstStyle/>
-          <a:p>
-            <a:r>
-              <a:rPr lang="en-US" i="1" dirty="0"/>
-              <a:t>*See backup slides for details of L1/L2</a:t>
-            </a:r>
-          </a:p>
-        </p:txBody>
-      </p:sp>
-    </p:spTree>
-    <p:extLst>
-      <p:ext uri="{BB962C8B-B14F-4D97-AF65-F5344CB8AC3E}">
-        <p14:creationId xmlns:p14="http://schemas.microsoft.com/office/powerpoint/2010/main" val="3969913976"/>
-      </p:ext>
-    </p:extLst>
-  </p:cSld>
-  <p:clrMapOvr>
-    <a:masterClrMapping/>
-  </p:clrMapOvr>
-</p:sld>
-</file>
-
 <file path=ppt/slides/slide21.xml><?xml version="1.0" encoding="utf-8"?>
-<p:sld xmlns:a="http://schemas.openxmlformats.org/drawingml/2006/main" xmlns:r="http://schemas.openxmlformats.org/officeDocument/2006/relationships" xmlns:p="http://schemas.openxmlformats.org/presentationml/2006/main">
-  <p:cSld>
-    <p:spTree>
-      <p:nvGrpSpPr>
-        <p:cNvPr id="1" name="">
-          <a:extLst>
-            <a:ext uri="{FF2B5EF4-FFF2-40B4-BE49-F238E27FC236}">
-              <a16:creationId xmlns:a16="http://schemas.microsoft.com/office/drawing/2014/main" id="{A1911940-F8CC-8252-C4C6-57AE6D8B7F42}"/>
-            </a:ext>
-          </a:extLst>
-        </p:cNvPr>
-        <p:cNvGrpSpPr/>
-        <p:nvPr/>
-      </p:nvGrpSpPr>
-      <p:grpSpPr>
-        <a:xfrm>
-          <a:off x="0" y="0"/>
-          <a:ext cx="0" cy="0"/>
-          <a:chOff x="0" y="0"/>
-          <a:chExt cx="0" cy="0"/>
-        </a:xfrm>
-      </p:grpSpPr>
-      <p:sp>
-        <p:nvSpPr>
-          <p:cNvPr id="2" name="Title 1">
-            <a:extLst>
-              <a:ext uri="{FF2B5EF4-FFF2-40B4-BE49-F238E27FC236}">
-                <a16:creationId xmlns:a16="http://schemas.microsoft.com/office/drawing/2014/main" id="{CACFBBAC-5C9B-8934-235D-4BC3C3898CE1}"/>
-              </a:ext>
-            </a:extLst>
-          </p:cNvPr>
-          <p:cNvSpPr>
-            <a:spLocks noGrp="1"/>
-          </p:cNvSpPr>
-          <p:nvPr>
-            <p:ph type="title"/>
-          </p:nvPr>
-        </p:nvSpPr>
-        <p:spPr/>
-        <p:txBody>
-          <a:bodyPr>
-            <a:noAutofit/>
-          </a:bodyPr>
-          <a:lstStyle/>
-          <a:p>
-            <a:pPr marL="0" indent="0">
-              <a:buNone/>
-            </a:pPr>
-            <a:r>
-              <a:rPr lang="en-GB" sz="3200" b="1" i="0" u="none" strike="noStrike" dirty="0">
-                <a:solidFill>
-                  <a:srgbClr val="000000"/>
-                </a:solidFill>
-                <a:effectLst/>
-              </a:rPr>
-              <a:t>Linear Models with regularization</a:t>
-            </a:r>
-            <a:endParaRPr lang="en-GB" sz="3200" b="0" i="0" u="none" strike="noStrike" dirty="0">
-              <a:solidFill>
-                <a:srgbClr val="000000"/>
-              </a:solidFill>
-              <a:effectLst/>
-            </a:endParaRPr>
-          </a:p>
-        </p:txBody>
-      </p:sp>
-      <p:sp>
-        <p:nvSpPr>
-          <p:cNvPr id="3" name="Content Placeholder 2">
-            <a:extLst>
-              <a:ext uri="{FF2B5EF4-FFF2-40B4-BE49-F238E27FC236}">
-                <a16:creationId xmlns:a16="http://schemas.microsoft.com/office/drawing/2014/main" id="{0926E1E5-D1B3-333E-59F3-469E3BC22E29}"/>
-              </a:ext>
-            </a:extLst>
-          </p:cNvPr>
-          <p:cNvSpPr>
-            <a:spLocks noGrp="1"/>
-          </p:cNvSpPr>
-          <p:nvPr>
-            <p:ph idx="1"/>
-          </p:nvPr>
-        </p:nvSpPr>
-        <p:spPr>
-          <a:xfrm>
-            <a:off x="457200" y="1178805"/>
-            <a:ext cx="8229600" cy="5519449"/>
-          </a:xfrm>
-        </p:spPr>
-        <p:txBody>
-          <a:bodyPr>
-            <a:normAutofit fontScale="47500" lnSpcReduction="20000"/>
-          </a:bodyPr>
-          <a:lstStyle/>
-          <a:p>
-            <a:pPr marL="0" indent="0" algn="l">
-              <a:buNone/>
-            </a:pPr>
-            <a:r>
-              <a:rPr lang="en-GB" sz="4500" b="1" i="0" u="none" strike="noStrike" dirty="0">
-                <a:solidFill>
-                  <a:srgbClr val="000000"/>
-                </a:solidFill>
-                <a:effectLst/>
-              </a:rPr>
-              <a:t>Typical Methods</a:t>
-            </a:r>
-            <a:r>
-              <a:rPr lang="en-GB" sz="4500" b="0" i="0" u="none" strike="noStrike" dirty="0">
-                <a:solidFill>
-                  <a:srgbClr val="000000"/>
-                </a:solidFill>
-                <a:effectLst/>
-              </a:rPr>
-              <a:t>:</a:t>
-            </a:r>
-          </a:p>
-          <a:p>
-            <a:pPr marL="0" indent="0" algn="l">
-              <a:buNone/>
-            </a:pPr>
-            <a:r>
-              <a:rPr lang="en-GB" sz="4000" b="1" i="0" u="none" strike="noStrike" dirty="0">
-                <a:solidFill>
-                  <a:srgbClr val="000000"/>
-                </a:solidFill>
-                <a:effectLst/>
-              </a:rPr>
-              <a:t>Linear Models</a:t>
-            </a:r>
-            <a:endParaRPr lang="en-GB" sz="4000" b="0" i="0" u="none" strike="noStrike" dirty="0">
-              <a:solidFill>
-                <a:srgbClr val="000000"/>
-              </a:solidFill>
-              <a:effectLst/>
-            </a:endParaRPr>
-          </a:p>
-          <a:p>
-            <a:pPr lvl="1">
-              <a:buFont typeface="Arial" panose="020B0604020202020204" pitchFamily="34" charset="0"/>
-              <a:buChar char="•"/>
-            </a:pPr>
-            <a:r>
-              <a:rPr lang="en-GB" sz="3800" b="1" i="0" u="none" strike="noStrike" dirty="0">
-                <a:solidFill>
-                  <a:srgbClr val="000000"/>
-                </a:solidFill>
-                <a:effectLst/>
-              </a:rPr>
-              <a:t>Ridge Regression (R)</a:t>
-            </a:r>
-            <a:r>
-              <a:rPr lang="en-GB" sz="3800" b="0" i="0" u="none" strike="noStrike" dirty="0">
-                <a:solidFill>
-                  <a:srgbClr val="000000"/>
-                </a:solidFill>
-                <a:effectLst/>
-              </a:rPr>
-              <a:t>: A linear model that includes L2 regularization to prevent overfitting by penalizing large coefficients, making it suitable for multicollinearity.</a:t>
-            </a:r>
-          </a:p>
-          <a:p>
-            <a:pPr lvl="1">
-              <a:buFont typeface="Arial" panose="020B0604020202020204" pitchFamily="34" charset="0"/>
-              <a:buChar char="•"/>
-            </a:pPr>
-            <a:r>
-              <a:rPr lang="en-GB" sz="3800" b="1" i="0" u="none" strike="noStrike" dirty="0">
-                <a:solidFill>
-                  <a:srgbClr val="000000"/>
-                </a:solidFill>
-                <a:effectLst/>
-              </a:rPr>
-              <a:t>Lasso Regression</a:t>
-            </a:r>
-            <a:r>
-              <a:rPr lang="en-GB" sz="3800" b="0" i="0" u="none" strike="noStrike" dirty="0">
-                <a:solidFill>
-                  <a:srgbClr val="000000"/>
-                </a:solidFill>
-                <a:effectLst/>
-              </a:rPr>
-              <a:t>: A linear model with L1 regularization that can shrink some coefficients to zero, effectively performing variable selection.</a:t>
-            </a:r>
-          </a:p>
-          <a:p>
-            <a:pPr lvl="1">
-              <a:buFont typeface="Arial" panose="020B0604020202020204" pitchFamily="34" charset="0"/>
-              <a:buChar char="•"/>
-            </a:pPr>
-            <a:r>
-              <a:rPr lang="en-GB" sz="3800" b="1" i="0" u="none" strike="noStrike" dirty="0" err="1">
-                <a:solidFill>
-                  <a:srgbClr val="000000"/>
-                </a:solidFill>
-                <a:effectLst/>
-              </a:rPr>
-              <a:t>ElasticNet</a:t>
-            </a:r>
-            <a:r>
-              <a:rPr lang="en-GB" sz="3800" b="1" i="0" u="none" strike="noStrike" dirty="0">
-                <a:solidFill>
-                  <a:srgbClr val="000000"/>
-                </a:solidFill>
-                <a:effectLst/>
-              </a:rPr>
-              <a:t> (EN)</a:t>
-            </a:r>
-            <a:r>
-              <a:rPr lang="en-GB" sz="3800" b="0" i="0" u="none" strike="noStrike" dirty="0">
-                <a:solidFill>
-                  <a:srgbClr val="000000"/>
-                </a:solidFill>
-                <a:effectLst/>
-              </a:rPr>
-              <a:t>: Combines both L1 and L2 regularization, allowing for a balance between Ridge and Lasso, useful when multiple features are correlated.</a:t>
-            </a:r>
-          </a:p>
-          <a:p>
-            <a:pPr marL="0" indent="0">
-              <a:buNone/>
-            </a:pPr>
-            <a:r>
-              <a:rPr lang="en-GB" sz="4000" b="1" i="0" u="none" strike="noStrike" dirty="0">
-                <a:solidFill>
-                  <a:srgbClr val="000000"/>
-                </a:solidFill>
-                <a:effectLst/>
-              </a:rPr>
-              <a:t>Non-Linear Models</a:t>
-            </a:r>
-            <a:endParaRPr lang="en-GB" sz="4000" b="0" i="0" u="none" strike="noStrike" dirty="0">
-              <a:solidFill>
-                <a:srgbClr val="000000"/>
-              </a:solidFill>
-              <a:effectLst/>
-            </a:endParaRPr>
-          </a:p>
-          <a:p>
-            <a:pPr lvl="1">
-              <a:buFont typeface="Arial" panose="020B0604020202020204" pitchFamily="34" charset="0"/>
-              <a:buChar char="•"/>
-            </a:pPr>
-            <a:r>
-              <a:rPr lang="en-GB" sz="3800" b="1" i="0" u="none" strike="noStrike" dirty="0">
-                <a:solidFill>
-                  <a:srgbClr val="000000"/>
-                </a:solidFill>
-                <a:effectLst/>
-              </a:rPr>
-              <a:t>K-Nearest </a:t>
-            </a:r>
-            <a:r>
-              <a:rPr lang="en-GB" sz="3800" b="1" i="0" u="none" strike="noStrike" dirty="0" err="1">
-                <a:solidFill>
-                  <a:srgbClr val="000000"/>
-                </a:solidFill>
-                <a:effectLst/>
-              </a:rPr>
-              <a:t>Neighbors</a:t>
-            </a:r>
-            <a:r>
-              <a:rPr lang="en-GB" sz="3800" b="1" i="0" u="none" strike="noStrike" dirty="0">
-                <a:solidFill>
-                  <a:srgbClr val="000000"/>
-                </a:solidFill>
-                <a:effectLst/>
-              </a:rPr>
-              <a:t> (KNN)</a:t>
-            </a:r>
-            <a:r>
-              <a:rPr lang="en-GB" sz="3800" b="0" i="0" u="none" strike="noStrike" dirty="0">
-                <a:solidFill>
-                  <a:srgbClr val="000000"/>
-                </a:solidFill>
-                <a:effectLst/>
-              </a:rPr>
-              <a:t>: A non-parametric model that predicts the target variable based on the average of the k-nearest data points in the feature space.</a:t>
-            </a:r>
-          </a:p>
-          <a:p>
-            <a:pPr lvl="1">
-              <a:buFont typeface="Arial" panose="020B0604020202020204" pitchFamily="34" charset="0"/>
-              <a:buChar char="•"/>
-            </a:pPr>
-            <a:r>
-              <a:rPr lang="en-GB" sz="3800" b="1" i="0" u="none" strike="noStrike" dirty="0">
-                <a:solidFill>
-                  <a:srgbClr val="000000"/>
-                </a:solidFill>
-                <a:effectLst/>
-              </a:rPr>
-              <a:t>Decision Tree Regressor (DTR)</a:t>
-            </a:r>
-            <a:r>
-              <a:rPr lang="en-GB" sz="3800" b="0" i="0" u="none" strike="noStrike" dirty="0">
-                <a:solidFill>
-                  <a:srgbClr val="000000"/>
-                </a:solidFill>
-                <a:effectLst/>
-              </a:rPr>
-              <a:t>: A model that splits the data into subsets based on feature value thresholds, creating a tree-like structure to make predictions.</a:t>
-            </a:r>
-          </a:p>
-          <a:p>
-            <a:pPr lvl="1">
-              <a:buFont typeface="Arial" panose="020B0604020202020204" pitchFamily="34" charset="0"/>
-              <a:buChar char="•"/>
-            </a:pPr>
-            <a:r>
-              <a:rPr lang="en-GB" sz="3800" b="1" i="0" u="none" strike="noStrike" dirty="0">
-                <a:solidFill>
-                  <a:srgbClr val="000000"/>
-                </a:solidFill>
-                <a:effectLst/>
-              </a:rPr>
-              <a:t>Support Vector Regressor (SVR)</a:t>
-            </a:r>
-            <a:r>
-              <a:rPr lang="en-GB" sz="3800" b="0" i="0" u="none" strike="noStrike" dirty="0">
-                <a:solidFill>
-                  <a:srgbClr val="000000"/>
-                </a:solidFill>
-                <a:effectLst/>
-              </a:rPr>
-              <a:t>: A model that uses support vector machines for regression tasks, trying to find the best hyperplane that fits the data while maintaining a margin of tolerance.</a:t>
-            </a:r>
-          </a:p>
-          <a:p>
-            <a:pPr lvl="1">
-              <a:buFont typeface="Arial" panose="020B0604020202020204" pitchFamily="34" charset="0"/>
-              <a:buChar char="•"/>
-            </a:pPr>
-            <a:r>
-              <a:rPr lang="en-GB" sz="3800" b="1" i="0" u="none" strike="noStrike" dirty="0">
-                <a:solidFill>
-                  <a:srgbClr val="000000"/>
-                </a:solidFill>
-                <a:effectLst/>
-              </a:rPr>
-              <a:t>Random Forest (RF)</a:t>
-            </a:r>
-            <a:r>
-              <a:rPr lang="en-GB" sz="3800" b="0" i="0" u="none" strike="noStrike" dirty="0">
-                <a:solidFill>
-                  <a:srgbClr val="000000"/>
-                </a:solidFill>
-                <a:effectLst/>
-              </a:rPr>
-              <a:t>: An ensemble method that builds multiple decision trees and merges them to improve accuracy and control overfitting.</a:t>
-            </a:r>
-          </a:p>
-        </p:txBody>
-      </p:sp>
-      <p:sp>
-        <p:nvSpPr>
-          <p:cNvPr id="6" name="TextBox 5">
-            <a:extLst>
-              <a:ext uri="{FF2B5EF4-FFF2-40B4-BE49-F238E27FC236}">
-                <a16:creationId xmlns:a16="http://schemas.microsoft.com/office/drawing/2014/main" id="{5D38821E-D07D-0AF0-090C-6495E0F616A7}"/>
-              </a:ext>
-            </a:extLst>
-          </p:cNvPr>
-          <p:cNvSpPr txBox="1"/>
-          <p:nvPr/>
-        </p:nvSpPr>
-        <p:spPr>
-          <a:xfrm>
-            <a:off x="5473698" y="6488668"/>
-            <a:ext cx="3769558" cy="369332"/>
-          </a:xfrm>
-          <a:prstGeom prst="rect">
-            <a:avLst/>
-          </a:prstGeom>
-          <a:noFill/>
-        </p:spPr>
-        <p:txBody>
-          <a:bodyPr wrap="none" rtlCol="0">
-            <a:spAutoFit/>
-          </a:bodyPr>
-          <a:lstStyle/>
-          <a:p>
-            <a:r>
-              <a:rPr lang="en-US" i="1" dirty="0"/>
-              <a:t>*See backup slides for details of L1/L2</a:t>
-            </a:r>
-          </a:p>
-        </p:txBody>
-      </p:sp>
-    </p:spTree>
-    <p:extLst>
-      <p:ext uri="{BB962C8B-B14F-4D97-AF65-F5344CB8AC3E}">
-        <p14:creationId xmlns:p14="http://schemas.microsoft.com/office/powerpoint/2010/main" val="983040240"/>
-      </p:ext>
-    </p:extLst>
-  </p:cSld>
-  <p:clrMapOvr>
-    <a:masterClrMapping/>
-  </p:clrMapOvr>
-</p:sld>
-</file>
-
-<file path=ppt/slides/slide22.xml><?xml version="1.0" encoding="utf-8"?>
 <p:sld xmlns:a="http://schemas.openxmlformats.org/drawingml/2006/main" xmlns:r="http://schemas.openxmlformats.org/officeDocument/2006/relationships" xmlns:p="http://schemas.openxmlformats.org/presentationml/2006/main">
   <p:cSld>
     <p:spTree>
@@ -9522,7 +8841,7 @@
 </p:sld>
 </file>
 
-<file path=ppt/slides/slide23.xml><?xml version="1.0" encoding="utf-8"?>
+<file path=ppt/slides/slide22.xml><?xml version="1.0" encoding="utf-8"?>
 <p:sld xmlns:a="http://schemas.openxmlformats.org/drawingml/2006/main" xmlns:r="http://schemas.openxmlformats.org/officeDocument/2006/relationships" xmlns:p="http://schemas.openxmlformats.org/presentationml/2006/main">
   <p:cSld>
     <p:spTree>
@@ -9743,7 +9062,7 @@
 </p:sld>
 </file>
 
-<file path=ppt/slides/slide24.xml><?xml version="1.0" encoding="utf-8"?>
+<file path=ppt/slides/slide23.xml><?xml version="1.0" encoding="utf-8"?>
 <p:sld xmlns:a="http://schemas.openxmlformats.org/drawingml/2006/main" xmlns:r="http://schemas.openxmlformats.org/officeDocument/2006/relationships" xmlns:p="http://schemas.openxmlformats.org/presentationml/2006/main">
   <p:cSld>
     <p:spTree>
@@ -10566,7 +9885,7 @@
 </p:sld>
 </file>
 
-<file path=ppt/slides/slide25.xml><?xml version="1.0" encoding="utf-8"?>
+<file path=ppt/slides/slide24.xml><?xml version="1.0" encoding="utf-8"?>
 <p:sld xmlns:a="http://schemas.openxmlformats.org/drawingml/2006/main" xmlns:r="http://schemas.openxmlformats.org/officeDocument/2006/relationships" xmlns:p="http://schemas.openxmlformats.org/presentationml/2006/main">
   <p:cSld>
     <p:spTree>
@@ -11141,7 +10460,7 @@
 </p:sld>
 </file>
 
-<file path=ppt/slides/slide26.xml><?xml version="1.0" encoding="utf-8"?>
+<file path=ppt/slides/slide25.xml><?xml version="1.0" encoding="utf-8"?>
 <p:sld xmlns:a="http://schemas.openxmlformats.org/drawingml/2006/main" xmlns:r="http://schemas.openxmlformats.org/officeDocument/2006/relationships" xmlns:p="http://schemas.openxmlformats.org/presentationml/2006/main">
   <p:cSld>
     <p:spTree>
@@ -11309,7 +10628,7 @@
 </p:sld>
 </file>
 
-<file path=ppt/slides/slide27.xml><?xml version="1.0" encoding="utf-8"?>
+<file path=ppt/slides/slide26.xml><?xml version="1.0" encoding="utf-8"?>
 <p:sld xmlns:a="http://schemas.openxmlformats.org/drawingml/2006/main" xmlns:r="http://schemas.openxmlformats.org/officeDocument/2006/relationships" xmlns:p="http://schemas.openxmlformats.org/presentationml/2006/main">
   <p:cSld>
     <p:spTree>
@@ -11864,7 +11183,7 @@
 </p:sld>
 </file>
 
-<file path=ppt/slides/slide28.xml><?xml version="1.0" encoding="utf-8"?>
+<file path=ppt/slides/slide27.xml><?xml version="1.0" encoding="utf-8"?>
 <p:sld xmlns:a="http://schemas.openxmlformats.org/drawingml/2006/main" xmlns:r="http://schemas.openxmlformats.org/officeDocument/2006/relationships" xmlns:p="http://schemas.openxmlformats.org/presentationml/2006/main">
   <p:cSld>
     <p:spTree>
@@ -11936,7 +11255,7 @@
 </p:sld>
 </file>
 
-<file path=ppt/slides/slide29.xml><?xml version="1.0" encoding="utf-8"?>
+<file path=ppt/slides/slide28.xml><?xml version="1.0" encoding="utf-8"?>
 <p:sld xmlns:a="http://schemas.openxmlformats.org/drawingml/2006/main" xmlns:r="http://schemas.openxmlformats.org/officeDocument/2006/relationships" xmlns:p="http://schemas.openxmlformats.org/presentationml/2006/main">
   <p:cSld>
     <p:spTree>
@@ -12088,253 +11407,7 @@
 </p:sld>
 </file>
 
-<file path=ppt/slides/slide3.xml><?xml version="1.0" encoding="utf-8"?>
-<p:sld xmlns:a="http://schemas.openxmlformats.org/drawingml/2006/main" xmlns:r="http://schemas.openxmlformats.org/officeDocument/2006/relationships" xmlns:p="http://schemas.openxmlformats.org/presentationml/2006/main">
-  <p:cSld>
-    <p:spTree>
-      <p:nvGrpSpPr>
-        <p:cNvPr id="1" name=""/>
-        <p:cNvGrpSpPr/>
-        <p:nvPr/>
-      </p:nvGrpSpPr>
-      <p:grpSpPr>
-        <a:xfrm>
-          <a:off x="0" y="0"/>
-          <a:ext cx="0" cy="0"/>
-          <a:chOff x="0" y="0"/>
-          <a:chExt cx="0" cy="0"/>
-        </a:xfrm>
-      </p:grpSpPr>
-      <p:sp>
-        <p:nvSpPr>
-          <p:cNvPr id="2" name="Title 1">
-            <a:extLst>
-              <a:ext uri="{FF2B5EF4-FFF2-40B4-BE49-F238E27FC236}">
-                <a16:creationId xmlns:a16="http://schemas.microsoft.com/office/drawing/2014/main" id="{1444C58A-8102-8CA3-9838-C80894D665E4}"/>
-              </a:ext>
-            </a:extLst>
-          </p:cNvPr>
-          <p:cNvSpPr>
-            <a:spLocks noGrp="1"/>
-          </p:cNvSpPr>
-          <p:nvPr>
-            <p:ph type="title"/>
-          </p:nvPr>
-        </p:nvSpPr>
-        <p:spPr/>
-        <p:txBody>
-          <a:bodyPr>
-            <a:normAutofit/>
-          </a:bodyPr>
-          <a:lstStyle/>
-          <a:p>
-            <a:r>
-              <a:rPr lang="en-GB" sz="3600" i="0" u="none" strike="noStrike" dirty="0">
-                <a:solidFill>
-                  <a:srgbClr val="000000"/>
-                </a:solidFill>
-                <a:effectLst/>
-              </a:rPr>
-              <a:t>Introduction to Machine Learning (ML)</a:t>
-            </a:r>
-            <a:endParaRPr lang="en-US" sz="3600" dirty="0"/>
-          </a:p>
-        </p:txBody>
-      </p:sp>
-      <p:sp>
-        <p:nvSpPr>
-          <p:cNvPr id="3" name="Content Placeholder 2">
-            <a:extLst>
-              <a:ext uri="{FF2B5EF4-FFF2-40B4-BE49-F238E27FC236}">
-                <a16:creationId xmlns:a16="http://schemas.microsoft.com/office/drawing/2014/main" id="{C17C7028-6D49-3A6A-EC69-91477CBE5A30}"/>
-              </a:ext>
-            </a:extLst>
-          </p:cNvPr>
-          <p:cNvSpPr>
-            <a:spLocks noGrp="1"/>
-          </p:cNvSpPr>
-          <p:nvPr>
-            <p:ph idx="1"/>
-          </p:nvPr>
-        </p:nvSpPr>
-        <p:spPr/>
-        <p:txBody>
-          <a:bodyPr>
-            <a:normAutofit fontScale="85000" lnSpcReduction="20000"/>
-          </a:bodyPr>
-          <a:lstStyle/>
-          <a:p>
-            <a:pPr algn="l">
-              <a:buFont typeface="Arial" panose="020B0604020202020204" pitchFamily="34" charset="0"/>
-              <a:buChar char="•"/>
-            </a:pPr>
-            <a:r>
-              <a:rPr lang="en-GB" b="1" i="0" u="none" strike="noStrike" dirty="0">
-                <a:solidFill>
-                  <a:srgbClr val="000000"/>
-                </a:solidFill>
-                <a:effectLst/>
-              </a:rPr>
-              <a:t>Definition</a:t>
-            </a:r>
-            <a:r>
-              <a:rPr lang="en-GB" b="0" i="0" u="none" strike="noStrike" dirty="0">
-                <a:solidFill>
-                  <a:srgbClr val="000000"/>
-                </a:solidFill>
-                <a:effectLst/>
-              </a:rPr>
-              <a:t>: Extracting information from data to make predictions or decisions.</a:t>
-            </a:r>
-          </a:p>
-          <a:p>
-            <a:pPr algn="l">
-              <a:buFont typeface="Arial" panose="020B0604020202020204" pitchFamily="34" charset="0"/>
-              <a:buChar char="•"/>
-            </a:pPr>
-            <a:r>
-              <a:rPr lang="en-GB" b="1" i="0" u="none" strike="noStrike" dirty="0">
-                <a:solidFill>
-                  <a:srgbClr val="000000"/>
-                </a:solidFill>
-                <a:effectLst/>
-              </a:rPr>
-              <a:t>Interdisciplinary Field</a:t>
-            </a:r>
-            <a:r>
-              <a:rPr lang="en-GB" b="0" i="0" u="none" strike="noStrike" dirty="0">
-                <a:solidFill>
-                  <a:srgbClr val="000000"/>
-                </a:solidFill>
-                <a:effectLst/>
-              </a:rPr>
-              <a:t>: Intersection of statistics, artificial intelligence, and computer science.</a:t>
-            </a:r>
-          </a:p>
-          <a:p>
-            <a:pPr algn="l">
-              <a:buFont typeface="Arial" panose="020B0604020202020204" pitchFamily="34" charset="0"/>
-              <a:buChar char="•"/>
-            </a:pPr>
-            <a:r>
-              <a:rPr lang="en-GB" b="1" i="0" u="none" strike="noStrike" dirty="0">
-                <a:solidFill>
-                  <a:srgbClr val="000000"/>
-                </a:solidFill>
-                <a:effectLst/>
-              </a:rPr>
-              <a:t>Key Idea</a:t>
-            </a:r>
-            <a:r>
-              <a:rPr lang="en-GB" b="0" i="0" u="none" strike="noStrike" dirty="0">
-                <a:solidFill>
-                  <a:srgbClr val="000000"/>
-                </a:solidFill>
-                <a:effectLst/>
-              </a:rPr>
-              <a:t>: Algorithms improve automatically through experience/training.</a:t>
-            </a:r>
-          </a:p>
-          <a:p>
-            <a:pPr algn="l">
-              <a:buFont typeface="Arial" panose="020B0604020202020204" pitchFamily="34" charset="0"/>
-              <a:buChar char="•"/>
-            </a:pPr>
-            <a:r>
-              <a:rPr lang="en-GB" b="1" i="0" u="none" strike="noStrike" dirty="0">
-                <a:solidFill>
-                  <a:srgbClr val="000000"/>
-                </a:solidFill>
-                <a:effectLst/>
-              </a:rPr>
-              <a:t>How it Works</a:t>
-            </a:r>
-            <a:r>
-              <a:rPr lang="en-GB" b="0" i="0" u="none" strike="noStrike" dirty="0">
-                <a:solidFill>
-                  <a:srgbClr val="000000"/>
-                </a:solidFill>
-                <a:effectLst/>
-              </a:rPr>
-              <a:t>:</a:t>
-            </a:r>
-          </a:p>
-          <a:p>
-            <a:pPr marL="742950" lvl="1" indent="-285750" algn="l">
-              <a:buFont typeface="Arial" panose="020B0604020202020204" pitchFamily="34" charset="0"/>
-              <a:buChar char="•"/>
-            </a:pPr>
-            <a:r>
-              <a:rPr lang="en-GB" b="0" i="0" u="none" strike="noStrike" dirty="0">
-                <a:solidFill>
-                  <a:srgbClr val="000000"/>
-                </a:solidFill>
-                <a:effectLst/>
-              </a:rPr>
-              <a:t>Based on training data, algorithms build models.</a:t>
-            </a:r>
-          </a:p>
-          <a:p>
-            <a:pPr marL="742950" lvl="1" indent="-285750" algn="l">
-              <a:buFont typeface="Arial" panose="020B0604020202020204" pitchFamily="34" charset="0"/>
-              <a:buChar char="•"/>
-            </a:pPr>
-            <a:r>
-              <a:rPr lang="en-GB" b="0" i="0" u="none" strike="noStrike" dirty="0">
-                <a:solidFill>
-                  <a:srgbClr val="000000"/>
-                </a:solidFill>
-                <a:effectLst/>
-              </a:rPr>
-              <a:t>Models make predictions for new, unseen data (test data).</a:t>
-            </a:r>
-          </a:p>
-          <a:p>
-            <a:pPr algn="l">
-              <a:buFont typeface="Arial" panose="020B0604020202020204" pitchFamily="34" charset="0"/>
-              <a:buChar char="•"/>
-            </a:pPr>
-            <a:r>
-              <a:rPr lang="en-GB" b="1" i="0" u="none" strike="noStrike" dirty="0">
-                <a:solidFill>
-                  <a:srgbClr val="000000"/>
-                </a:solidFill>
-                <a:effectLst/>
-              </a:rPr>
-              <a:t>Why Python?</a:t>
-            </a:r>
-            <a:r>
-              <a:rPr lang="en-GB" b="0" i="0" u="none" strike="noStrike" dirty="0">
-                <a:solidFill>
-                  <a:srgbClr val="000000"/>
-                </a:solidFill>
-                <a:effectLst/>
-              </a:rPr>
-              <a:t>: Extensive libraries for data processing, model building, and evaluation.</a:t>
-            </a:r>
-          </a:p>
-          <a:p>
-            <a:pPr marL="0" indent="0">
-              <a:buNone/>
-            </a:pPr>
-            <a:endParaRPr lang="en-US" dirty="0"/>
-          </a:p>
-        </p:txBody>
-      </p:sp>
-    </p:spTree>
-    <p:extLst>
-      <p:ext uri="{BB962C8B-B14F-4D97-AF65-F5344CB8AC3E}">
-        <p14:creationId xmlns:p14="http://schemas.microsoft.com/office/powerpoint/2010/main" val="3543623051"/>
-      </p:ext>
-    </p:extLst>
-  </p:cSld>
-  <p:clrMapOvr>
-    <a:masterClrMapping/>
-  </p:clrMapOvr>
-</p:sld>
-</file>
-
-<file path=ppt/slides/slide30.xml><?xml version="1.0" encoding="utf-8"?>
+<file path=ppt/slides/slide29.xml><?xml version="1.0" encoding="utf-8"?>
 <p:sld xmlns:a="http://schemas.openxmlformats.org/drawingml/2006/main" xmlns:r="http://schemas.openxmlformats.org/officeDocument/2006/relationships" xmlns:p="http://schemas.openxmlformats.org/presentationml/2006/main">
   <p:cSld>
     <p:spTree>
@@ -12462,7 +11535,7 @@
 </p:sld>
 </file>
 
-<file path=ppt/slides/slide31.xml><?xml version="1.0" encoding="utf-8"?>
+<file path=ppt/slides/slide3.xml><?xml version="1.0" encoding="utf-8"?>
 <p:sld xmlns:a="http://schemas.openxmlformats.org/drawingml/2006/main" xmlns:r="http://schemas.openxmlformats.org/officeDocument/2006/relationships" xmlns:p="http://schemas.openxmlformats.org/presentationml/2006/main">
   <p:cSld>
     <p:spTree>
@@ -12481,6 +11554,252 @@
       </p:grpSpPr>
       <p:sp>
         <p:nvSpPr>
+          <p:cNvPr id="2" name="Title 1">
+            <a:extLst>
+              <a:ext uri="{FF2B5EF4-FFF2-40B4-BE49-F238E27FC236}">
+                <a16:creationId xmlns:a16="http://schemas.microsoft.com/office/drawing/2014/main" id="{1444C58A-8102-8CA3-9838-C80894D665E4}"/>
+              </a:ext>
+            </a:extLst>
+          </p:cNvPr>
+          <p:cNvSpPr>
+            <a:spLocks noGrp="1"/>
+          </p:cNvSpPr>
+          <p:nvPr>
+            <p:ph type="title"/>
+          </p:nvPr>
+        </p:nvSpPr>
+        <p:spPr/>
+        <p:txBody>
+          <a:bodyPr>
+            <a:normAutofit/>
+          </a:bodyPr>
+          <a:lstStyle/>
+          <a:p>
+            <a:r>
+              <a:rPr lang="en-GB" sz="3600" i="0" u="none" strike="noStrike" dirty="0">
+                <a:solidFill>
+                  <a:srgbClr val="000000"/>
+                </a:solidFill>
+                <a:effectLst/>
+              </a:rPr>
+              <a:t>Introduction to Machine Learning (ML)</a:t>
+            </a:r>
+            <a:endParaRPr lang="en-US" sz="3600" dirty="0"/>
+          </a:p>
+        </p:txBody>
+      </p:sp>
+      <p:sp>
+        <p:nvSpPr>
+          <p:cNvPr id="3" name="Content Placeholder 2">
+            <a:extLst>
+              <a:ext uri="{FF2B5EF4-FFF2-40B4-BE49-F238E27FC236}">
+                <a16:creationId xmlns:a16="http://schemas.microsoft.com/office/drawing/2014/main" id="{C17C7028-6D49-3A6A-EC69-91477CBE5A30}"/>
+              </a:ext>
+            </a:extLst>
+          </p:cNvPr>
+          <p:cNvSpPr>
+            <a:spLocks noGrp="1"/>
+          </p:cNvSpPr>
+          <p:nvPr>
+            <p:ph idx="1"/>
+          </p:nvPr>
+        </p:nvSpPr>
+        <p:spPr/>
+        <p:txBody>
+          <a:bodyPr>
+            <a:normAutofit fontScale="85000" lnSpcReduction="20000"/>
+          </a:bodyPr>
+          <a:lstStyle/>
+          <a:p>
+            <a:pPr algn="l">
+              <a:buFont typeface="Arial" panose="020B0604020202020204" pitchFamily="34" charset="0"/>
+              <a:buChar char="•"/>
+            </a:pPr>
+            <a:r>
+              <a:rPr lang="en-GB" b="1" i="0" u="none" strike="noStrike" dirty="0">
+                <a:solidFill>
+                  <a:srgbClr val="000000"/>
+                </a:solidFill>
+                <a:effectLst/>
+              </a:rPr>
+              <a:t>Definition</a:t>
+            </a:r>
+            <a:r>
+              <a:rPr lang="en-GB" b="0" i="0" u="none" strike="noStrike" dirty="0">
+                <a:solidFill>
+                  <a:srgbClr val="000000"/>
+                </a:solidFill>
+                <a:effectLst/>
+              </a:rPr>
+              <a:t>: Extracting information from data to make predictions or decisions.</a:t>
+            </a:r>
+          </a:p>
+          <a:p>
+            <a:pPr algn="l">
+              <a:buFont typeface="Arial" panose="020B0604020202020204" pitchFamily="34" charset="0"/>
+              <a:buChar char="•"/>
+            </a:pPr>
+            <a:r>
+              <a:rPr lang="en-GB" b="1" i="0" u="none" strike="noStrike" dirty="0">
+                <a:solidFill>
+                  <a:srgbClr val="000000"/>
+                </a:solidFill>
+                <a:effectLst/>
+              </a:rPr>
+              <a:t>Interdisciplinary Field</a:t>
+            </a:r>
+            <a:r>
+              <a:rPr lang="en-GB" b="0" i="0" u="none" strike="noStrike" dirty="0">
+                <a:solidFill>
+                  <a:srgbClr val="000000"/>
+                </a:solidFill>
+                <a:effectLst/>
+              </a:rPr>
+              <a:t>: Intersection of statistics, artificial intelligence, and computer science.</a:t>
+            </a:r>
+          </a:p>
+          <a:p>
+            <a:pPr algn="l">
+              <a:buFont typeface="Arial" panose="020B0604020202020204" pitchFamily="34" charset="0"/>
+              <a:buChar char="•"/>
+            </a:pPr>
+            <a:r>
+              <a:rPr lang="en-GB" b="1" i="0" u="none" strike="noStrike" dirty="0">
+                <a:solidFill>
+                  <a:srgbClr val="000000"/>
+                </a:solidFill>
+                <a:effectLst/>
+              </a:rPr>
+              <a:t>Key Idea</a:t>
+            </a:r>
+            <a:r>
+              <a:rPr lang="en-GB" b="0" i="0" u="none" strike="noStrike" dirty="0">
+                <a:solidFill>
+                  <a:srgbClr val="000000"/>
+                </a:solidFill>
+                <a:effectLst/>
+              </a:rPr>
+              <a:t>: Algorithms improve automatically through experience/training.</a:t>
+            </a:r>
+          </a:p>
+          <a:p>
+            <a:pPr algn="l">
+              <a:buFont typeface="Arial" panose="020B0604020202020204" pitchFamily="34" charset="0"/>
+              <a:buChar char="•"/>
+            </a:pPr>
+            <a:r>
+              <a:rPr lang="en-GB" b="1" i="0" u="none" strike="noStrike" dirty="0">
+                <a:solidFill>
+                  <a:srgbClr val="000000"/>
+                </a:solidFill>
+                <a:effectLst/>
+              </a:rPr>
+              <a:t>How it Works</a:t>
+            </a:r>
+            <a:r>
+              <a:rPr lang="en-GB" b="0" i="0" u="none" strike="noStrike" dirty="0">
+                <a:solidFill>
+                  <a:srgbClr val="000000"/>
+                </a:solidFill>
+                <a:effectLst/>
+              </a:rPr>
+              <a:t>:</a:t>
+            </a:r>
+          </a:p>
+          <a:p>
+            <a:pPr marL="742950" lvl="1" indent="-285750" algn="l">
+              <a:buFont typeface="Arial" panose="020B0604020202020204" pitchFamily="34" charset="0"/>
+              <a:buChar char="•"/>
+            </a:pPr>
+            <a:r>
+              <a:rPr lang="en-GB" b="0" i="0" u="none" strike="noStrike" dirty="0">
+                <a:solidFill>
+                  <a:srgbClr val="000000"/>
+                </a:solidFill>
+                <a:effectLst/>
+              </a:rPr>
+              <a:t>Based on training data, algorithms build models.</a:t>
+            </a:r>
+          </a:p>
+          <a:p>
+            <a:pPr marL="742950" lvl="1" indent="-285750" algn="l">
+              <a:buFont typeface="Arial" panose="020B0604020202020204" pitchFamily="34" charset="0"/>
+              <a:buChar char="•"/>
+            </a:pPr>
+            <a:r>
+              <a:rPr lang="en-GB" b="0" i="0" u="none" strike="noStrike" dirty="0">
+                <a:solidFill>
+                  <a:srgbClr val="000000"/>
+                </a:solidFill>
+                <a:effectLst/>
+              </a:rPr>
+              <a:t>Models make predictions for new, unseen data (test data).</a:t>
+            </a:r>
+          </a:p>
+          <a:p>
+            <a:pPr algn="l">
+              <a:buFont typeface="Arial" panose="020B0604020202020204" pitchFamily="34" charset="0"/>
+              <a:buChar char="•"/>
+            </a:pPr>
+            <a:r>
+              <a:rPr lang="en-GB" b="1" i="0" u="none" strike="noStrike" dirty="0">
+                <a:solidFill>
+                  <a:srgbClr val="000000"/>
+                </a:solidFill>
+                <a:effectLst/>
+              </a:rPr>
+              <a:t>Why Python?</a:t>
+            </a:r>
+            <a:r>
+              <a:rPr lang="en-GB" b="0" i="0" u="none" strike="noStrike" dirty="0">
+                <a:solidFill>
+                  <a:srgbClr val="000000"/>
+                </a:solidFill>
+                <a:effectLst/>
+              </a:rPr>
+              <a:t>: Extensive libraries for data processing, model building, and evaluation.</a:t>
+            </a:r>
+          </a:p>
+          <a:p>
+            <a:pPr marL="0" indent="0">
+              <a:buNone/>
+            </a:pPr>
+            <a:endParaRPr lang="en-US" dirty="0"/>
+          </a:p>
+        </p:txBody>
+      </p:sp>
+    </p:spTree>
+    <p:extLst>
+      <p:ext uri="{BB962C8B-B14F-4D97-AF65-F5344CB8AC3E}">
+        <p14:creationId xmlns:p14="http://schemas.microsoft.com/office/powerpoint/2010/main" val="3543623051"/>
+      </p:ext>
+    </p:extLst>
+  </p:cSld>
+  <p:clrMapOvr>
+    <a:masterClrMapping/>
+  </p:clrMapOvr>
+</p:sld>
+</file>
+
+<file path=ppt/slides/slide30.xml><?xml version="1.0" encoding="utf-8"?>
+<p:sld xmlns:a="http://schemas.openxmlformats.org/drawingml/2006/main" xmlns:r="http://schemas.openxmlformats.org/officeDocument/2006/relationships" xmlns:p="http://schemas.openxmlformats.org/presentationml/2006/main">
+  <p:cSld>
+    <p:spTree>
+      <p:nvGrpSpPr>
+        <p:cNvPr id="1" name=""/>
+        <p:cNvGrpSpPr/>
+        <p:nvPr/>
+      </p:nvGrpSpPr>
+      <p:grpSpPr>
+        <a:xfrm>
+          <a:off x="0" y="0"/>
+          <a:ext cx="0" cy="0"/>
+          <a:chOff x="0" y="0"/>
+          <a:chExt cx="0" cy="0"/>
+        </a:xfrm>
+      </p:grpSpPr>
+      <p:sp>
+        <p:nvSpPr>
           <p:cNvPr id="2" name="Title 1"/>
           <p:cNvSpPr>
             <a:spLocks noGrp="1"/>
@@ -12587,7 +11906,7 @@
 </p:sld>
 </file>
 
-<file path=ppt/slides/slide32.xml><?xml version="1.0" encoding="utf-8"?>
+<file path=ppt/slides/slide31.xml><?xml version="1.0" encoding="utf-8"?>
 <p:sld xmlns:a="http://schemas.openxmlformats.org/drawingml/2006/main" xmlns:r="http://schemas.openxmlformats.org/officeDocument/2006/relationships" xmlns:p="http://schemas.openxmlformats.org/presentationml/2006/main">
   <p:cSld>
     <p:spTree>
@@ -12743,7 +12062,7 @@
 </p:sld>
 </file>
 
-<file path=ppt/slides/slide33.xml><?xml version="1.0" encoding="utf-8"?>
+<file path=ppt/slides/slide32.xml><?xml version="1.0" encoding="utf-8"?>
 <p:sld xmlns:a="http://schemas.openxmlformats.org/drawingml/2006/main" xmlns:r="http://schemas.openxmlformats.org/officeDocument/2006/relationships" xmlns:p="http://schemas.openxmlformats.org/presentationml/2006/main">
   <p:cSld>
     <p:spTree>
@@ -12896,7 +12215,7 @@
 </p:sld>
 </file>
 
-<file path=ppt/slides/slide34.xml><?xml version="1.0" encoding="utf-8"?>
+<file path=ppt/slides/slide33.xml><?xml version="1.0" encoding="utf-8"?>
 <p:sld xmlns:a="http://schemas.openxmlformats.org/drawingml/2006/main" xmlns:r="http://schemas.openxmlformats.org/officeDocument/2006/relationships" xmlns:p="http://schemas.openxmlformats.org/presentationml/2006/main">
   <p:cSld>
     <p:spTree>
